--- a/presentation/RegexRangers.pptx
+++ b/presentation/RegexRangers.pptx
@@ -136,7 +136,7 @@
   </p:defaultTextStyle>
   <p:extLst>
     <p:ext uri="{EFAFB233-063F-42B5-8137-9DF3F51BA10A}">
-      <p15:sldGuideLst xmlns:p15="http://schemas.microsoft.com/office/powerpoint/2012/main">
+      <p15:sldGuideLst xmlns:p15="http://schemas.microsoft.com/office/powerpoint/2012/main" xmlns="">
         <p15:guide id="1" orient="horz" pos="2160">
           <p15:clr>
             <a:srgbClr val="A4A3A4"/>
@@ -236,7 +236,7 @@
             <a:fld id="{492045F9-68B3-47D2-BB1D-D7E2CDD3C3DC}" type="datetimeFigureOut">
               <a:rPr lang="en-US" smtClean="0"/>
               <a:pPr/>
-              <a:t>1/14/2015</a:t>
+              <a:t>1/15/2015</a:t>
             </a:fld>
             <a:endParaRPr lang="en-US"/>
           </a:p>
@@ -407,7 +407,7 @@
     </p:spTree>
     <p:extLst>
       <p:ext uri="{BB962C8B-B14F-4D97-AF65-F5344CB8AC3E}">
-        <p14:creationId xmlns:p14="http://schemas.microsoft.com/office/powerpoint/2010/main" val="297079743"/>
+        <p14:creationId xmlns:p14="http://schemas.microsoft.com/office/powerpoint/2010/main" xmlns="" val="297079743"/>
       </p:ext>
     </p:extLst>
   </p:cSld>
@@ -689,7 +689,7 @@
             <a:fld id="{8671CF10-F605-4105-8480-667978428A22}" type="datetimeFigureOut">
               <a:rPr lang="en-US" smtClean="0"/>
               <a:pPr/>
-              <a:t>1/14/2015</a:t>
+              <a:t>1/15/2015</a:t>
             </a:fld>
             <a:endParaRPr lang="en-US"/>
           </a:p>
@@ -856,7 +856,7 @@
             <a:fld id="{8671CF10-F605-4105-8480-667978428A22}" type="datetimeFigureOut">
               <a:rPr lang="en-US" smtClean="0"/>
               <a:pPr/>
-              <a:t>1/14/2015</a:t>
+              <a:t>1/15/2015</a:t>
             </a:fld>
             <a:endParaRPr lang="en-US"/>
           </a:p>
@@ -1033,7 +1033,7 @@
             <a:fld id="{8671CF10-F605-4105-8480-667978428A22}" type="datetimeFigureOut">
               <a:rPr lang="en-US" smtClean="0"/>
               <a:pPr/>
-              <a:t>1/14/2015</a:t>
+              <a:t>1/15/2015</a:t>
             </a:fld>
             <a:endParaRPr lang="en-US"/>
           </a:p>
@@ -1200,7 +1200,7 @@
             <a:fld id="{8671CF10-F605-4105-8480-667978428A22}" type="datetimeFigureOut">
               <a:rPr lang="en-US" smtClean="0"/>
               <a:pPr/>
-              <a:t>1/14/2015</a:t>
+              <a:t>1/15/2015</a:t>
             </a:fld>
             <a:endParaRPr lang="en-US"/>
           </a:p>
@@ -1443,7 +1443,7 @@
             <a:fld id="{8671CF10-F605-4105-8480-667978428A22}" type="datetimeFigureOut">
               <a:rPr lang="en-US" smtClean="0"/>
               <a:pPr/>
-              <a:t>1/14/2015</a:t>
+              <a:t>1/15/2015</a:t>
             </a:fld>
             <a:endParaRPr lang="en-US"/>
           </a:p>
@@ -1728,7 +1728,7 @@
             <a:fld id="{8671CF10-F605-4105-8480-667978428A22}" type="datetimeFigureOut">
               <a:rPr lang="en-US" smtClean="0"/>
               <a:pPr/>
-              <a:t>1/14/2015</a:t>
+              <a:t>1/15/2015</a:t>
             </a:fld>
             <a:endParaRPr lang="en-US"/>
           </a:p>
@@ -2147,7 +2147,7 @@
             <a:fld id="{8671CF10-F605-4105-8480-667978428A22}" type="datetimeFigureOut">
               <a:rPr lang="en-US" smtClean="0"/>
               <a:pPr/>
-              <a:t>1/14/2015</a:t>
+              <a:t>1/15/2015</a:t>
             </a:fld>
             <a:endParaRPr lang="en-US"/>
           </a:p>
@@ -2262,7 +2262,7 @@
             <a:fld id="{8671CF10-F605-4105-8480-667978428A22}" type="datetimeFigureOut">
               <a:rPr lang="en-US" smtClean="0"/>
               <a:pPr/>
-              <a:t>1/14/2015</a:t>
+              <a:t>1/15/2015</a:t>
             </a:fld>
             <a:endParaRPr lang="en-US"/>
           </a:p>
@@ -2354,7 +2354,7 @@
             <a:fld id="{8671CF10-F605-4105-8480-667978428A22}" type="datetimeFigureOut">
               <a:rPr lang="en-US" smtClean="0"/>
               <a:pPr/>
-              <a:t>1/14/2015</a:t>
+              <a:t>1/15/2015</a:t>
             </a:fld>
             <a:endParaRPr lang="en-US"/>
           </a:p>
@@ -2628,7 +2628,7 @@
             <a:fld id="{8671CF10-F605-4105-8480-667978428A22}" type="datetimeFigureOut">
               <a:rPr lang="en-US" smtClean="0"/>
               <a:pPr/>
-              <a:t>1/14/2015</a:t>
+              <a:t>1/15/2015</a:t>
             </a:fld>
             <a:endParaRPr lang="en-US"/>
           </a:p>
@@ -2878,7 +2878,7 @@
             <a:fld id="{8671CF10-F605-4105-8480-667978428A22}" type="datetimeFigureOut">
               <a:rPr lang="en-US" smtClean="0"/>
               <a:pPr/>
-              <a:t>1/14/2015</a:t>
+              <a:t>1/15/2015</a:t>
             </a:fld>
             <a:endParaRPr lang="en-US"/>
           </a:p>
@@ -3088,7 +3088,7 @@
             <a:fld id="{8671CF10-F605-4105-8480-667978428A22}" type="datetimeFigureOut">
               <a:rPr lang="en-US" smtClean="0"/>
               <a:pPr/>
-              <a:t>1/14/2015</a:t>
+              <a:t>1/15/2015</a:t>
             </a:fld>
             <a:endParaRPr lang="en-US"/>
           </a:p>
@@ -6664,17 +6664,7 @@
                   </a:schemeClr>
                 </a:solidFill>
               </a:rPr>
-              <a:t> </a:t>
-            </a:r>
-            <a:r>
-              <a:rPr lang="en-US" b="1" dirty="0" smtClean="0">
-                <a:solidFill>
-                  <a:schemeClr val="accent6">
-                    <a:lumMod val="75000"/>
-                  </a:schemeClr>
-                </a:solidFill>
-              </a:rPr>
-              <a:t>b</a:t>
+              <a:t> b</a:t>
             </a:r>
             <a:r>
               <a:rPr lang="sl-SI" b="1" dirty="0" smtClean="0">
@@ -7933,11 +7923,7 @@
             </a:r>
             <a:r>
               <a:rPr lang="en-US" sz="1200" dirty="0" smtClean="0"/>
-              <a:t> b</a:t>
-            </a:r>
-            <a:r>
-              <a:rPr lang="en-US" sz="1200" dirty="0" smtClean="0"/>
-              <a:t>,</a:t>
+              <a:t> b,</a:t>
             </a:r>
             <a:r>
               <a:rPr lang="sl-SI" sz="1200" dirty="0" smtClean="0"/>
@@ -9664,11 +9650,7 @@
             </a:r>
             <a:r>
               <a:rPr lang="en-US" sz="1200" dirty="0" smtClean="0"/>
-              <a:t> </a:t>
-            </a:r>
-            <a:r>
-              <a:rPr lang="en-US" sz="1200" dirty="0" smtClean="0"/>
-              <a:t>a, </a:t>
+              <a:t> a, </a:t>
             </a:r>
             <a:r>
               <a:rPr lang="en-US" sz="1200" dirty="0" err="1" smtClean="0"/>
@@ -11357,11 +11339,7 @@
             </a:r>
             <a:r>
               <a:rPr lang="en-US" sz="1200" dirty="0" smtClean="0"/>
-              <a:t> </a:t>
-            </a:r>
-            <a:r>
-              <a:rPr lang="en-US" sz="1200" dirty="0" smtClean="0"/>
-              <a:t>a, </a:t>
+              <a:t> a, </a:t>
             </a:r>
             <a:r>
               <a:rPr lang="en-US" sz="1200" dirty="0" err="1" smtClean="0"/>
@@ -12302,7 +12280,7 @@
     </p:spTree>
     <p:extLst>
       <p:ext uri="{BB962C8B-B14F-4D97-AF65-F5344CB8AC3E}">
-        <p14:creationId xmlns:p14="http://schemas.microsoft.com/office/powerpoint/2010/main" val="2374948037"/>
+        <p14:creationId xmlns:p14="http://schemas.microsoft.com/office/powerpoint/2010/main" xmlns="" val="2374948037"/>
       </p:ext>
     </p:extLst>
   </p:cSld>
@@ -13126,11 +13104,7 @@
             </a:r>
             <a:r>
               <a:rPr lang="en-US" sz="1200" dirty="0" smtClean="0"/>
-              <a:t> </a:t>
-            </a:r>
-            <a:r>
-              <a:rPr lang="en-US" sz="1200" dirty="0" smtClean="0"/>
-              <a:t>a, </a:t>
+              <a:t> a, </a:t>
             </a:r>
             <a:r>
               <a:rPr lang="en-US" sz="1200" dirty="0" err="1" smtClean="0"/>
@@ -14139,7 +14113,7 @@
     </p:spTree>
     <p:extLst>
       <p:ext uri="{BB962C8B-B14F-4D97-AF65-F5344CB8AC3E}">
-        <p14:creationId xmlns:p14="http://schemas.microsoft.com/office/powerpoint/2010/main" val="1740183878"/>
+        <p14:creationId xmlns:p14="http://schemas.microsoft.com/office/powerpoint/2010/main" xmlns="" val="1740183878"/>
       </p:ext>
     </p:extLst>
   </p:cSld>
@@ -15352,11 +15326,7 @@
             </a:r>
             <a:r>
               <a:rPr lang="en-US" sz="2800" dirty="0" smtClean="0"/>
-              <a:t>|b</a:t>
-            </a:r>
-            <a:r>
-              <a:rPr lang="en-US" sz="2800" dirty="0" smtClean="0"/>
-              <a:t>) * c</a:t>
+              <a:t>|b) * c</a:t>
             </a:r>
           </a:p>
         </p:txBody>
@@ -15581,7 +15551,7 @@
     </p:spTree>
     <p:extLst>
       <p:ext uri="{BB962C8B-B14F-4D97-AF65-F5344CB8AC3E}">
-        <p14:creationId xmlns:p14="http://schemas.microsoft.com/office/powerpoint/2010/main" val="2799810641"/>
+        <p14:creationId xmlns:p14="http://schemas.microsoft.com/office/powerpoint/2010/main" xmlns="" val="2799810641"/>
       </p:ext>
     </p:extLst>
   </p:cSld>
@@ -15895,10 +15865,10 @@
           <p:nvPr/>
         </p:nvPicPr>
         <p:blipFill>
-          <a:blip r:embed="rId2">
+          <a:blip r:embed="rId2" cstate="print">
             <a:extLst>
               <a:ext uri="{28A0092B-C50C-407E-A947-70E740481C1C}">
-                <a14:useLocalDpi xmlns:a14="http://schemas.microsoft.com/office/drawing/2010/main" val="0"/>
+                <a14:useLocalDpi xmlns:a14="http://schemas.microsoft.com/office/drawing/2010/main" xmlns="" val="0"/>
               </a:ext>
             </a:extLst>
           </a:blip>
@@ -16497,7 +16467,7 @@
         </p:spPr>
         <p:txBody>
           <a:bodyPr>
-            <a:normAutofit/>
+            <a:normAutofit fontScale="92500"/>
           </a:bodyPr>
           <a:lstStyle/>
           <a:p>
@@ -16546,7 +16516,7 @@
             </a:r>
             <a:r>
               <a:rPr lang="en-US" dirty="0" err="1" smtClean="0"/>
-              <a:t>abc</a:t>
+              <a:t>abbc</a:t>
             </a:r>
             <a:r>
               <a:rPr lang="en-US" dirty="0" err="1" smtClean="0">
@@ -16609,7 +16579,7 @@
         </p:spPr>
         <p:txBody>
           <a:bodyPr vert="horz" lIns="91440" tIns="45720" rIns="91440" bIns="45720" rtlCol="0">
-            <a:normAutofit/>
+            <a:normAutofit fontScale="92500"/>
           </a:bodyPr>
           <a:lstStyle/>
           <a:p>
@@ -16762,7 +16732,7 @@
                 <a:ea typeface="+mn-ea"/>
                 <a:cs typeface="+mn-cs"/>
               </a:rPr>
-              <a:t>abc</a:t>
+              <a:t>abbc</a:t>
             </a:r>
             <a:r>
               <a:rPr kumimoji="0" lang="en-US" sz="3200" b="1" i="0" u="none" strike="noStrike" kern="1200" cap="none" spc="0" normalizeH="0" baseline="0" noProof="0" dirty="0" err="1" smtClean="0">
@@ -16909,7 +16879,7 @@
         <p:spPr>
           <a:xfrm>
             <a:off x="606535" y="4876800"/>
-            <a:ext cx="2730235" cy="707886"/>
+            <a:ext cx="3288080" cy="707886"/>
           </a:xfrm>
           <a:prstGeom prst="rect">
             <a:avLst/>
@@ -16938,8 +16908,17 @@
             </a:pPr>
             <a:r>
               <a:rPr lang="sl-SI" sz="2000" dirty="0" smtClean="0"/>
-              <a:t>Gnezdenje?</a:t>
-            </a:r>
+              <a:t>Gnezdenje</a:t>
+            </a:r>
+            <a:r>
+              <a:rPr lang="sl-SI" sz="2000" dirty="0" smtClean="0"/>
+              <a:t>?</a:t>
+            </a:r>
+            <a:r>
+              <a:rPr lang="en-US" sz="2000" dirty="0" smtClean="0"/>
+              <a:t> (Memory)</a:t>
+            </a:r>
+            <a:endParaRPr lang="sl-SI" sz="2000" dirty="0" smtClean="0"/>
           </a:p>
         </p:txBody>
       </p:sp>
@@ -18024,8 +18003,15 @@
                   </a:schemeClr>
                 </a:solidFill>
               </a:rPr>
-              <a:t>?</a:t>
-            </a:r>
+              <a:t>? NE</a:t>
+            </a:r>
+            <a:endParaRPr lang="en-US" sz="2400" dirty="0" smtClean="0">
+              <a:solidFill>
+                <a:schemeClr val="accent2">
+                  <a:lumMod val="75000"/>
+                </a:schemeClr>
+              </a:solidFill>
+            </a:endParaRPr>
           </a:p>
           <a:p>
             <a:endParaRPr lang="en-US" sz="2400" dirty="0" smtClean="0">
@@ -18254,41 +18240,7 @@
             </a:pPr>
             <a:r>
               <a:rPr lang="en-US" sz="2400" dirty="0" smtClean="0"/>
-              <a:t>En memory (</a:t>
-            </a:r>
-            <a:r>
-              <a:rPr lang="en-US" sz="2400" dirty="0" err="1" smtClean="0"/>
-              <a:t>prepisovanje</a:t>
-            </a:r>
-            <a:r>
-              <a:rPr lang="en-US" sz="2400" dirty="0" smtClean="0"/>
-              <a:t> </a:t>
-            </a:r>
-            <a:r>
-              <a:rPr lang="en-US" sz="2400" dirty="0" err="1" smtClean="0"/>
-              <a:t>vsebine</a:t>
-            </a:r>
-            <a:r>
-              <a:rPr lang="en-US" sz="2400" dirty="0" smtClean="0"/>
-              <a:t> </a:t>
-            </a:r>
-            <a:r>
-              <a:rPr lang="en-US" sz="2400" dirty="0" err="1" smtClean="0"/>
-              <a:t>grupe</a:t>
-            </a:r>
-            <a:r>
-              <a:rPr lang="en-US" sz="2400" dirty="0" smtClean="0"/>
-              <a:t>)</a:t>
-            </a:r>
-          </a:p>
-          <a:p>
-            <a:pPr marL="514350" indent="-514350">
-              <a:buFont typeface="+mj-lt"/>
-              <a:buAutoNum type="arabicPeriod"/>
-            </a:pPr>
-            <a:r>
-              <a:rPr lang="en-US" sz="2400" dirty="0" smtClean="0"/>
-              <a:t>a(..)+   =&gt;   a </a:t>
+              <a:t>a(..)+  =&gt;   a </a:t>
             </a:r>
             <a:r>
               <a:rPr lang="en-US" sz="2400" b="1" dirty="0" err="1" smtClean="0">
@@ -18318,6 +18270,34 @@
           <a:p>
             <a:pPr marL="914400" lvl="1" indent="-514350"/>
             <a:r>
+              <a:rPr lang="en-US" sz="2000" dirty="0" smtClean="0"/>
+              <a:t>a</a:t>
+            </a:r>
+            <a:r>
+              <a:rPr lang="en-US" sz="2000" dirty="0" smtClean="0"/>
+              <a:t>(..)+ (b)</a:t>
+            </a:r>
+            <a:r>
+              <a:rPr lang="en-US" sz="1100" dirty="0" smtClean="0"/>
+              <a:t>2</a:t>
+            </a:r>
+            <a:r>
+              <a:rPr lang="en-US" sz="2000" dirty="0" smtClean="0"/>
+              <a:t> =&gt; a(..)(..)</a:t>
+            </a:r>
+            <a:r>
+              <a:rPr lang="en-US" sz="1200" dirty="0" smtClean="0"/>
+              <a:t>2</a:t>
+            </a:r>
+            <a:r>
+              <a:rPr lang="en-US" sz="2000" dirty="0" smtClean="0"/>
+              <a:t>(..) …  b</a:t>
+            </a:r>
+            <a:endParaRPr lang="en-US" sz="2000" dirty="0" smtClean="0"/>
+          </a:p>
+          <a:p>
+            <a:pPr marL="914400" lvl="1" indent="-514350"/>
+            <a:r>
               <a:rPr lang="en-US" sz="2000" dirty="0" err="1" smtClean="0"/>
               <a:t>Množenje</a:t>
             </a:r>
@@ -18352,6 +18332,38 @@
             <a:r>
               <a:rPr lang="en-US" sz="2000" dirty="0" err="1" smtClean="0"/>
               <a:t>napaka</a:t>
+            </a:r>
+            <a:endParaRPr lang="en-US" sz="2000" dirty="0" smtClean="0"/>
+          </a:p>
+          <a:p>
+            <a:pPr marL="914400" lvl="1" indent="-514350"/>
+            <a:r>
+              <a:rPr lang="en-US" sz="2000" dirty="0" err="1" smtClean="0"/>
+              <a:t>Potrebno</a:t>
+            </a:r>
+            <a:r>
+              <a:rPr lang="en-US" sz="2000" dirty="0" smtClean="0"/>
+              <a:t> </a:t>
+            </a:r>
+            <a:r>
+              <a:rPr lang="en-US" sz="2000" dirty="0" err="1" smtClean="0"/>
+              <a:t>prepisovanje</a:t>
+            </a:r>
+            <a:r>
+              <a:rPr lang="en-US" sz="2000" dirty="0" smtClean="0"/>
+              <a:t> </a:t>
+            </a:r>
+            <a:r>
+              <a:rPr lang="en-US" sz="2000" dirty="0" err="1" smtClean="0"/>
+              <a:t>iste</a:t>
+            </a:r>
+            <a:r>
+              <a:rPr lang="en-US" sz="2000" dirty="0" smtClean="0"/>
+              <a:t> </a:t>
+            </a:r>
+            <a:r>
+              <a:rPr lang="en-US" sz="2000" dirty="0" err="1" smtClean="0"/>
+              <a:t>grupe</a:t>
             </a:r>
             <a:endParaRPr lang="en-US" sz="2000" dirty="0" smtClean="0"/>
           </a:p>
@@ -19155,11 +19167,7 @@
             </a:r>
             <a:r>
               <a:rPr lang="en-US" dirty="0" smtClean="0"/>
-              <a:t> </a:t>
-            </a:r>
-            <a:r>
-              <a:rPr lang="en-US" dirty="0" smtClean="0"/>
-              <a:t>so </a:t>
+              <a:t> so </a:t>
             </a:r>
             <a:r>
               <a:rPr lang="en-US" dirty="0" err="1" smtClean="0"/>
@@ -19242,7 +19250,7 @@
           <p:nvPr>
             <p:extLst>
               <p:ext uri="{D42A27DB-BD31-4B8C-83A1-F6EECF244321}">
-                <p14:modId xmlns:p14="http://schemas.microsoft.com/office/powerpoint/2010/main" val="2238561984"/>
+                <p14:modId xmlns:p14="http://schemas.microsoft.com/office/powerpoint/2010/main" xmlns="" val="2238561984"/>
               </p:ext>
             </p:extLst>
           </p:nvPr>
@@ -19825,15 +19833,19 @@
             <a:pPr lvl="2"/>
             <a:r>
               <a:rPr lang="en-US" dirty="0" smtClean="0"/>
-              <a:t>a</a:t>
+              <a:t>a, </a:t>
+            </a:r>
+            <a:r>
+              <a:rPr lang="en-US" dirty="0" err="1" smtClean="0"/>
+              <a:t>aa</a:t>
             </a:r>
             <a:r>
               <a:rPr lang="en-US" dirty="0" smtClean="0"/>
               <a:t>, </a:t>
             </a:r>
             <a:r>
-              <a:rPr lang="en-US" dirty="0" err="1" smtClean="0"/>
-              <a:t>aa</a:t>
+              <a:rPr lang="sl-SI" dirty="0" smtClean="0"/>
+              <a:t>ab</a:t>
             </a:r>
             <a:r>
               <a:rPr lang="en-US" dirty="0" smtClean="0"/>
@@ -19841,7 +19853,7 @@
             </a:r>
             <a:r>
               <a:rPr lang="sl-SI" dirty="0" smtClean="0"/>
-              <a:t>ab</a:t>
+              <a:t>bbb</a:t>
             </a:r>
             <a:r>
               <a:rPr lang="en-US" dirty="0" smtClean="0"/>
@@ -19849,39 +19861,11 @@
             </a:r>
             <a:r>
               <a:rPr lang="sl-SI" dirty="0" smtClean="0"/>
-              <a:t>bbb</a:t>
-            </a:r>
-            <a:r>
-              <a:rPr lang="en-US" dirty="0" smtClean="0"/>
-              <a:t>, </a:t>
-            </a:r>
-            <a:r>
-              <a:rPr lang="sl-SI" dirty="0" smtClean="0"/>
               <a:t>bcd</a:t>
             </a:r>
             <a:r>
               <a:rPr lang="en-US" dirty="0" smtClean="0"/>
               <a:t>, …</a:t>
-            </a:r>
-            <a:endParaRPr lang="sl-SI" dirty="0" smtClean="0"/>
-          </a:p>
-          <a:p>
-            <a:pPr lvl="1"/>
-            <a:r>
-              <a:rPr lang="en-US" dirty="0"/>
-              <a:t>(</a:t>
-            </a:r>
-            <a:r>
-              <a:rPr lang="en-US" dirty="0" err="1"/>
-              <a:t>a|b</a:t>
-            </a:r>
-            <a:r>
-              <a:rPr lang="en-US" dirty="0"/>
-              <a:t>)*</a:t>
-            </a:r>
-            <a:r>
-              <a:rPr lang="en-US" dirty="0" smtClean="0"/>
-              <a:t>c</a:t>
             </a:r>
             <a:endParaRPr lang="sl-SI" dirty="0" smtClean="0"/>
           </a:p>
@@ -20093,8 +20077,8 @@
         </p:nvSpPr>
         <p:spPr>
           <a:xfrm>
-            <a:off x="596900" y="5383768"/>
-            <a:ext cx="1062342" cy="369332"/>
+            <a:off x="304800" y="5410200"/>
+            <a:ext cx="1532792" cy="369332"/>
           </a:xfrm>
           <a:prstGeom prst="rect">
             <a:avLst/>
@@ -20107,15 +20091,20 @@
           </a:bodyPr>
           <a:lstStyle/>
           <a:p>
+            <a:pPr lvl="1"/>
             <a:r>
               <a:rPr lang="en-US" dirty="0" smtClean="0"/>
-              <a:t>Reg. </a:t>
+              <a:t>(</a:t>
             </a:r>
             <a:r>
               <a:rPr lang="en-US" dirty="0" err="1" smtClean="0"/>
-              <a:t>izraz</a:t>
-            </a:r>
-            <a:endParaRPr lang="en-US" dirty="0"/>
+              <a:t>a|b</a:t>
+            </a:r>
+            <a:r>
+              <a:rPr lang="en-US" dirty="0" smtClean="0"/>
+              <a:t>)*c</a:t>
+            </a:r>
+            <a:endParaRPr lang="sl-SI" dirty="0" smtClean="0"/>
           </a:p>
         </p:txBody>
       </p:sp>
@@ -20143,11 +20132,7 @@
           <a:p>
             <a:r>
               <a:rPr lang="en-US" dirty="0" smtClean="0"/>
-              <a:t>[</a:t>
-            </a:r>
-            <a:r>
-              <a:rPr lang="en-US" dirty="0" smtClean="0"/>
-              <a:t>a</a:t>
+              <a:t>[a</a:t>
             </a:r>
             <a:r>
               <a:rPr lang="sl-SI" dirty="0" smtClean="0"/>
@@ -20171,11 +20156,7 @@
             </a:r>
             <a:r>
               <a:rPr lang="en-US" dirty="0" smtClean="0"/>
-              <a:t>, </a:t>
-            </a:r>
-            <a:r>
-              <a:rPr lang="en-US" dirty="0" smtClean="0"/>
-              <a:t>… ]</a:t>
+              <a:t>, … ]</a:t>
             </a:r>
             <a:endParaRPr lang="en-US" dirty="0"/>
           </a:p>
@@ -20322,7 +20303,7 @@
           <p:nvPr>
             <p:extLst>
               <p:ext uri="{D42A27DB-BD31-4B8C-83A1-F6EECF244321}">
-                <p14:modId xmlns:p14="http://schemas.microsoft.com/office/powerpoint/2010/main" val="308235691"/>
+                <p14:modId xmlns:p14="http://schemas.microsoft.com/office/powerpoint/2010/main" xmlns="" val="308235691"/>
               </p:ext>
             </p:extLst>
           </p:nvPr>
@@ -20713,7 +20694,6 @@
               <a:rPr lang="sl-SI" sz="2400" dirty="0" smtClean="0"/>
               <a:t>Parser</a:t>
             </a:r>
-            <a:endParaRPr lang="sl-SI" sz="2400" dirty="0" smtClean="0"/>
           </a:p>
         </p:txBody>
       </p:sp>
@@ -21277,7 +21257,7 @@
           <p:nvPr>
             <p:extLst>
               <p:ext uri="{D42A27DB-BD31-4B8C-83A1-F6EECF244321}">
-                <p14:modId xmlns:p14="http://schemas.microsoft.com/office/powerpoint/2010/main" val="912914699"/>
+                <p14:modId xmlns:p14="http://schemas.microsoft.com/office/powerpoint/2010/main" xmlns="" val="912914699"/>
               </p:ext>
             </p:extLst>
           </p:nvPr>
